--- a/ppt/dotNet01-Intro.pptx
+++ b/ppt/dotNet01-Intro.pptx
@@ -5,10 +5,10 @@
     <p:sldMasterId id="2147483653" r:id="rId1"/>
   </p:sldMasterIdLst>
   <p:notesMasterIdLst>
-    <p:notesMasterId r:id="rId17"/>
+    <p:notesMasterId r:id="rId18"/>
   </p:notesMasterIdLst>
   <p:handoutMasterIdLst>
-    <p:handoutMasterId r:id="rId18"/>
+    <p:handoutMasterId r:id="rId19"/>
   </p:handoutMasterIdLst>
   <p:sldIdLst>
     <p:sldId id="264" r:id="rId2"/>
@@ -24,8 +24,9 @@
     <p:sldId id="275" r:id="rId12"/>
     <p:sldId id="276" r:id="rId13"/>
     <p:sldId id="277" r:id="rId14"/>
-    <p:sldId id="278" r:id="rId15"/>
-    <p:sldId id="279" r:id="rId16"/>
+    <p:sldId id="280" r:id="rId15"/>
+    <p:sldId id="278" r:id="rId16"/>
+    <p:sldId id="279" r:id="rId17"/>
   </p:sldIdLst>
   <p:sldSz cx="9144000" cy="6858000" type="screen4x3"/>
   <p:notesSz cx="6648450" cy="9782175"/>
@@ -4701,6 +4702,119 @@
           <p:cNvPr id="2" name="Titre 1">
             <a:extLst>
               <a:ext uri="{FF2B5EF4-FFF2-40B4-BE49-F238E27FC236}">
+                <a16:creationId xmlns:a16="http://schemas.microsoft.com/office/drawing/2014/main" id="{7DDFDD71-0255-4D7A-9354-16E1B437886F}"/>
+              </a:ext>
+            </a:extLst>
+          </p:cNvPr>
+          <p:cNvSpPr>
+            <a:spLocks noGrp="1"/>
+          </p:cNvSpPr>
+          <p:nvPr>
+            <p:ph type="title"/>
+          </p:nvPr>
+        </p:nvSpPr>
+        <p:spPr/>
+        <p:txBody>
+          <a:bodyPr/>
+          <a:lstStyle/>
+          <a:p>
+            <a:r>
+              <a:rPr lang="fr-FR" dirty="0"/>
+              <a:t>Compatibilité</a:t>
+            </a:r>
+          </a:p>
+        </p:txBody>
+      </p:sp>
+      <p:sp>
+        <p:nvSpPr>
+          <p:cNvPr id="3" name="Espace réservé du contenu 2">
+            <a:extLst>
+              <a:ext uri="{FF2B5EF4-FFF2-40B4-BE49-F238E27FC236}">
+                <a16:creationId xmlns:a16="http://schemas.microsoft.com/office/drawing/2014/main" id="{08125FAD-917B-F928-8D61-3AD222B692C3}"/>
+              </a:ext>
+            </a:extLst>
+          </p:cNvPr>
+          <p:cNvSpPr>
+            <a:spLocks noGrp="1"/>
+          </p:cNvSpPr>
+          <p:nvPr>
+            <p:ph idx="1"/>
+          </p:nvPr>
+        </p:nvSpPr>
+        <p:spPr/>
+        <p:txBody>
+          <a:bodyPr/>
+          <a:lstStyle/>
+          <a:p>
+            <a:endParaRPr lang="fr-FR"/>
+          </a:p>
+        </p:txBody>
+      </p:sp>
+      <p:pic>
+        <p:nvPicPr>
+          <p:cNvPr id="5" name="Image 4">
+            <a:extLst>
+              <a:ext uri="{FF2B5EF4-FFF2-40B4-BE49-F238E27FC236}">
+                <a16:creationId xmlns:a16="http://schemas.microsoft.com/office/drawing/2014/main" id="{5B91746D-0276-1755-11A2-C5807A0A95DB}"/>
+              </a:ext>
+            </a:extLst>
+          </p:cNvPr>
+          <p:cNvPicPr>
+            <a:picLocks noChangeAspect="1"/>
+          </p:cNvPicPr>
+          <p:nvPr/>
+        </p:nvPicPr>
+        <p:blipFill>
+          <a:blip r:embed="rId2"/>
+          <a:stretch>
+            <a:fillRect/>
+          </a:stretch>
+        </p:blipFill>
+        <p:spPr>
+          <a:xfrm>
+            <a:off x="0" y="1386515"/>
+            <a:ext cx="9144000" cy="4084969"/>
+          </a:xfrm>
+          <a:prstGeom prst="rect">
+            <a:avLst/>
+          </a:prstGeom>
+        </p:spPr>
+      </p:pic>
+    </p:spTree>
+    <p:extLst>
+      <p:ext uri="{BB962C8B-B14F-4D97-AF65-F5344CB8AC3E}">
+        <p14:creationId xmlns:p14="http://schemas.microsoft.com/office/powerpoint/2010/main" val="651483210"/>
+      </p:ext>
+    </p:extLst>
+  </p:cSld>
+  <p:clrMapOvr>
+    <a:masterClrMapping/>
+  </p:clrMapOvr>
+</p:sld>
+</file>
+
+<file path=ppt/slides/slide15.xml><?xml version="1.0" encoding="utf-8"?>
+<p:sld xmlns:a="http://schemas.openxmlformats.org/drawingml/2006/main" xmlns:r="http://schemas.openxmlformats.org/officeDocument/2006/relationships" xmlns:p="http://schemas.openxmlformats.org/presentationml/2006/main">
+  <p:cSld>
+    <p:spTree>
+      <p:nvGrpSpPr>
+        <p:cNvPr id="1" name=""/>
+        <p:cNvGrpSpPr/>
+        <p:nvPr/>
+      </p:nvGrpSpPr>
+      <p:grpSpPr>
+        <a:xfrm>
+          <a:off x="0" y="0"/>
+          <a:ext cx="0" cy="0"/>
+          <a:chOff x="0" y="0"/>
+          <a:chExt cx="0" cy="0"/>
+        </a:xfrm>
+      </p:grpSpPr>
+      <p:sp>
+        <p:nvSpPr>
+          <p:cNvPr id="2" name="Titre 1">
+            <a:extLst>
+              <a:ext uri="{FF2B5EF4-FFF2-40B4-BE49-F238E27FC236}">
                 <a16:creationId xmlns:a16="http://schemas.microsoft.com/office/drawing/2014/main" id="{2F02353E-5B94-B8D3-3470-58CCFC9766DE}"/>
               </a:ext>
             </a:extLst>
@@ -4867,7 +4981,7 @@
 </p:sld>
 </file>
 
-<file path=ppt/slides/slide15.xml><?xml version="1.0" encoding="utf-8"?>
+<file path=ppt/slides/slide16.xml><?xml version="1.0" encoding="utf-8"?>
 <p:sld xmlns:a="http://schemas.openxmlformats.org/drawingml/2006/main" xmlns:r="http://schemas.openxmlformats.org/officeDocument/2006/relationships" xmlns:p="http://schemas.openxmlformats.org/presentationml/2006/main">
   <p:cSld>
     <p:spTree>
@@ -6342,6 +6456,13 @@
           </a:p>
           <a:p>
             <a:pPr lvl="1"/>
+            <a:r>
+              <a:rPr lang="fr-FR" dirty="0"/>
+              <a:t>Optimisé pour les containeurs et le cloud</a:t>
+            </a:r>
+          </a:p>
+          <a:p>
+            <a:pPr lvl="1"/>
             <a:endParaRPr lang="fr-FR" dirty="0"/>
           </a:p>
         </p:txBody>
@@ -6375,7 +6496,7 @@
         </p:blipFill>
         <p:spPr bwMode="auto">
           <a:xfrm>
-            <a:off x="5436096" y="4509120"/>
+            <a:off x="6058211" y="2924944"/>
             <a:ext cx="2952750" cy="1552575"/>
           </a:xfrm>
           <a:prstGeom prst="rect">

--- a/ppt/dotNet01-Intro.pptx
+++ b/ppt/dotNet01-Intro.pptx
@@ -5138,12 +5138,8 @@
           <a:p>
             <a:pPr lvl="1"/>
             <a:r>
-              <a:rPr lang="fr-FR" dirty="0"/>
-              <a:t>Gros </a:t>
-            </a:r>
-            <a:r>
-              <a:rPr lang="fr-FR" dirty="0" err="1"/>
-              <a:t>chagements</a:t>
+              <a:rPr lang="fr-FR"/>
+              <a:t>Gros changements</a:t>
             </a:r>
             <a:endParaRPr lang="fr-FR" dirty="0"/>
           </a:p>
